--- a/Yesy Nur Sanndah.pptx
+++ b/Yesy Nur Sanndah.pptx
@@ -3468,79 +3468,88 @@
             <p:ph idx="1"/>
           </p:nvPr>
         </p:nvSpPr>
-        <p:spPr/>
+        <p:spPr>
+          <a:xfrm>
+            <a:off x="2145792" y="2365248"/>
+            <a:ext cx="7900416" cy="4206240"/>
+          </a:xfrm>
+        </p:spPr>
         <p:txBody>
           <a:bodyPr>
-            <a:normAutofit fontScale="55000" lnSpcReduction="20000"/>
+            <a:normAutofit fontScale="40000" lnSpcReduction="20000"/>
           </a:bodyPr>
           <a:lstStyle/>
           <a:p>
-            <a:r>
-              <a:rPr lang="en-US" dirty="0"/>
+            <a:pPr algn="just"/>
+            <a:r>
+              <a:rPr lang="en-US" sz="3200" dirty="0"/>
               <a:t>This Case study is an analysis consumer data finance/lending company to avoid risk on that company. here type of risks are associated with the bank's decision:</a:t>
             </a:r>
           </a:p>
           <a:p>
-            <a:pPr marL="0" indent="0">
+            <a:pPr marL="0" indent="0" algn="just">
               <a:buNone/>
             </a:pPr>
             <a:r>
-              <a:rPr lang="en-US" dirty="0"/>
-              <a:t>	- If the applicant is likely to repay the loan, then not approving the loan results in a loss of business to the company</a:t>
-            </a:r>
-          </a:p>
-          <a:p>
-            <a:pPr marL="0" indent="0">
+              <a:rPr lang="en-US" sz="3200" dirty="0"/>
+              <a:t>	- If the applicant is likely to repay the loan, then not approving the loan results in a loss of business to 	the company</a:t>
+            </a:r>
+          </a:p>
+          <a:p>
+            <a:pPr marL="0" indent="0" algn="just">
               <a:buNone/>
             </a:pPr>
             <a:r>
-              <a:rPr lang="en-US" dirty="0"/>
-              <a:t>	- If the applicant is not likely to repay the loan, i.e. he/she is likely to default, then approving the loan may lead to a financial loss 	   for the company</a:t>
-            </a:r>
-          </a:p>
-          <a:p>
-            <a:r>
-              <a:rPr lang="en-US" dirty="0"/>
+              <a:rPr lang="en-US" sz="3200" dirty="0"/>
+              <a:t>	- If the applicant is not likely to repay the loan, i.e. he/she is likely to default, then approving the loan 	may lead to a financial loss for the company</a:t>
+            </a:r>
+          </a:p>
+          <a:p>
+            <a:pPr algn="just"/>
+            <a:r>
+              <a:rPr lang="en-US" sz="3200" dirty="0"/>
               <a:t>Data set contains all loans processed by the Lending house</a:t>
             </a:r>
           </a:p>
           <a:p>
-            <a:r>
-              <a:rPr lang="en-US" dirty="0"/>
+            <a:pPr algn="just"/>
+            <a:r>
+              <a:rPr lang="en-US" sz="3200" dirty="0"/>
               <a:t>Hereby two types of decisions that could be taken by the company:</a:t>
             </a:r>
           </a:p>
           <a:p>
-            <a:pPr lvl="1"/>
-            <a:r>
-              <a:rPr lang="en-US" dirty="0"/>
+            <a:pPr lvl="1" algn="just"/>
+            <a:r>
+              <a:rPr lang="en-US" sz="3200" dirty="0"/>
               <a:t>the Loan accepted: If the company approves the loan, there are 3 possible scenarios described below:</a:t>
             </a:r>
           </a:p>
           <a:p>
-            <a:pPr lvl="1"/>
-            <a:r>
-              <a:rPr lang="en-US" dirty="0"/>
+            <a:pPr lvl="1" algn="just"/>
+            <a:r>
+              <a:rPr lang="en-US" sz="3200" dirty="0"/>
               <a:t>Fully paid: Applicant has fully paid the loan (the principal and the interest rate)</a:t>
             </a:r>
           </a:p>
           <a:p>
-            <a:pPr lvl="1"/>
-            <a:r>
-              <a:rPr lang="en-US" dirty="0"/>
+            <a:pPr lvl="1" algn="just"/>
+            <a:r>
+              <a:rPr lang="en-US" sz="3200" dirty="0"/>
               <a:t>Current: Applicant is in the process of paying the instalments, i.e. the tenure of the loan is not yet completed. These candidates are not labelled as 'defaulted'.</a:t>
             </a:r>
           </a:p>
           <a:p>
-            <a:pPr lvl="1"/>
-            <a:r>
-              <a:rPr lang="en-US" dirty="0"/>
+            <a:pPr lvl="1" algn="just"/>
+            <a:r>
+              <a:rPr lang="en-US" sz="3200" dirty="0"/>
               <a:t>Charged-off: Applicant has not paid the instalments in due time for a long period of time, i.e. he/she has defaulted on the loan </a:t>
             </a:r>
           </a:p>
           <a:p>
-            <a:r>
-              <a:rPr lang="en-US" dirty="0"/>
+            <a:pPr algn="just"/>
+            <a:r>
+              <a:rPr lang="en-US" sz="3200" dirty="0"/>
               <a:t>Loan rejected: The company had rejected the loan (because the candidate does not meet their requirements etc.). Since the loan was rejected, there is no transactional history of those applicants with the company and so this data is not available with the company (and thus in this dataset)</a:t>
             </a:r>
           </a:p>
@@ -3629,36 +3638,11 @@
         <p:spPr/>
         <p:txBody>
           <a:bodyPr>
-            <a:normAutofit fontScale="85000" lnSpcReduction="10000"/>
+            <a:normAutofit fontScale="92500" lnSpcReduction="10000"/>
           </a:bodyPr>
           <a:lstStyle/>
           <a:p>
-            <a:pPr marL="0" indent="0">
-              <a:buNone/>
-            </a:pPr>
-            <a:r>
-              <a:rPr lang="en-US" dirty="0"/>
-              <a:t>- Total number of fully paid is significant higher than charged off. mean good borrower higher than bad </a:t>
-            </a:r>
-            <a:r>
-              <a:rPr lang="en-US" dirty="0" err="1"/>
-              <a:t>borrowerDrop</a:t>
-            </a:r>
-            <a:r>
-              <a:rPr lang="en-US" dirty="0"/>
-              <a:t> all </a:t>
-            </a:r>
-            <a:r>
-              <a:rPr lang="en-US" dirty="0" err="1"/>
-              <a:t>coloumns</a:t>
-            </a:r>
-            <a:r>
-              <a:rPr lang="en-US" dirty="0"/>
-              <a:t> with 95% of missing value</a:t>
-            </a:r>
-          </a:p>
-          <a:p>
-            <a:pPr marL="0" indent="0">
+            <a:pPr marL="0" indent="0" algn="just">
               <a:buNone/>
             </a:pPr>
             <a:r>
@@ -3667,7 +3651,7 @@
             </a:r>
           </a:p>
           <a:p>
-            <a:pPr marL="0" indent="0">
+            <a:pPr marL="0" indent="0" algn="just">
               <a:buNone/>
             </a:pPr>
             <a:r>
@@ -3676,7 +3660,7 @@
             </a:r>
           </a:p>
           <a:p>
-            <a:pPr marL="0" indent="0">
+            <a:pPr marL="0" indent="0" algn="just">
               <a:buNone/>
             </a:pPr>
             <a:r>
@@ -3701,7 +3685,7 @@
             </a:r>
           </a:p>
           <a:p>
-            <a:pPr marL="0" indent="0">
+            <a:pPr marL="0" indent="0" algn="just">
               <a:buNone/>
             </a:pPr>
             <a:r>
@@ -3788,20 +3772,11 @@
         <p:spPr/>
         <p:txBody>
           <a:bodyPr>
-            <a:normAutofit fontScale="77500" lnSpcReduction="20000"/>
+            <a:normAutofit fontScale="85000" lnSpcReduction="10000"/>
           </a:bodyPr>
           <a:lstStyle/>
           <a:p>
-            <a:pPr marL="0" indent="0">
-              <a:buNone/>
-            </a:pPr>
-            <a:r>
-              <a:rPr lang="en-US" dirty="0"/>
-              <a:t>-  More number of applicants has home ownership status on rent than mortgage and own. But there is no significant on rent have more number of charge off than mortgage or vice versa</a:t>
-            </a:r>
-          </a:p>
-          <a:p>
-            <a:pPr marL="0" indent="0">
+            <a:pPr marL="0" indent="0" algn="just">
               <a:buNone/>
             </a:pPr>
             <a:r>
@@ -3810,7 +3785,7 @@
             </a:r>
           </a:p>
           <a:p>
-            <a:pPr marL="0" indent="0">
+            <a:pPr marL="0" indent="0" algn="just">
               <a:buNone/>
             </a:pPr>
             <a:r>
@@ -3819,7 +3794,7 @@
             </a:r>
           </a:p>
           <a:p>
-            <a:pPr marL="0" indent="0">
+            <a:pPr marL="0" indent="0" algn="just">
               <a:buNone/>
             </a:pPr>
             <a:r>
@@ -3836,7 +3811,7 @@
             </a:r>
           </a:p>
           <a:p>
-            <a:pPr marL="0" indent="0">
+            <a:pPr marL="0" indent="0" algn="just">
               <a:buNone/>
             </a:pPr>
             <a:r>
@@ -3963,6 +3938,7 @@
           <a:bodyPr/>
           <a:lstStyle/>
           <a:p>
+            <a:pPr algn="just"/>
             <a:r>
               <a:rPr lang="en-US" dirty="0"/>
               <a:t>Several factors are found to be able to help identify the risk for default. Higher loan interest rate, longer loan term, higher </a:t>
@@ -3977,6 +3953,7 @@
             </a:r>
           </a:p>
           <a:p>
+            <a:pPr algn="just"/>
             <a:r>
               <a:rPr lang="en-US" dirty="0"/>
               <a:t>Others factor such as purpose of loan and home ownership although does not show a strong indicator for applicant default or not, should also be taken into consideration when approving for loan</a:t>
